--- a/Scrum_GoldmoonKaist.pptx
+++ b/Scrum_GoldmoonKaist.pptx
@@ -3835,29 +3835,7 @@
                   </a:schemeClr>
                 </a:solidFill>
               </a:rPr>
-              <a:t> Han	</a:t>
-            </a:r>
-            <a:r>
-              <a:rPr lang="en-US" dirty="0" smtClean="0">
-                <a:solidFill>
-                  <a:schemeClr val="tx1">
-                    <a:lumMod val="65000"/>
-                    <a:lumOff val="35000"/>
-                  </a:schemeClr>
-                </a:solidFill>
-              </a:rPr>
-              <a:t>(</a:t>
-            </a:r>
-            <a:r>
-              <a:rPr lang="en-US" dirty="0" smtClean="0">
-                <a:solidFill>
-                  <a:schemeClr val="tx1">
-                    <a:lumMod val="65000"/>
-                    <a:lumOff val="35000"/>
-                  </a:schemeClr>
-                </a:solidFill>
-              </a:rPr>
-              <a:t>Product Owner)</a:t>
+              <a:t> Han	(Product Owner)</a:t>
             </a:r>
           </a:p>
           <a:p>
@@ -3886,29 +3864,7 @@
                   </a:schemeClr>
                 </a:solidFill>
               </a:rPr>
-              <a:t> </a:t>
-            </a:r>
-            <a:r>
-              <a:rPr lang="en-US" dirty="0" smtClean="0">
-                <a:solidFill>
-                  <a:schemeClr val="tx1">
-                    <a:lumMod val="65000"/>
-                    <a:lumOff val="35000"/>
-                  </a:schemeClr>
-                </a:solidFill>
-              </a:rPr>
-              <a:t>Woo	(</a:t>
-            </a:r>
-            <a:r>
-              <a:rPr lang="en-US" dirty="0" smtClean="0">
-                <a:solidFill>
-                  <a:schemeClr val="tx1">
-                    <a:lumMod val="65000"/>
-                    <a:lumOff val="35000"/>
-                  </a:schemeClr>
-                </a:solidFill>
-              </a:rPr>
-              <a:t>Scrum Master of Sprint 1)</a:t>
+              <a:t> Woo	(Scrum Master of Sprint 1)</a:t>
             </a:r>
           </a:p>
           <a:p>
@@ -3937,29 +3893,7 @@
                   </a:schemeClr>
                 </a:solidFill>
               </a:rPr>
-              <a:t> Rho </a:t>
-            </a:r>
-            <a:r>
-              <a:rPr lang="en-US" dirty="0" smtClean="0">
-                <a:solidFill>
-                  <a:schemeClr val="tx1">
-                    <a:lumMod val="65000"/>
-                    <a:lumOff val="35000"/>
-                  </a:schemeClr>
-                </a:solidFill>
-              </a:rPr>
-              <a:t>	(</a:t>
-            </a:r>
-            <a:r>
-              <a:rPr lang="en-US" dirty="0" smtClean="0">
-                <a:solidFill>
-                  <a:schemeClr val="tx1">
-                    <a:lumMod val="65000"/>
-                    <a:lumOff val="35000"/>
-                  </a:schemeClr>
-                </a:solidFill>
-              </a:rPr>
-              <a:t>Scrum Master of Sprint 2)</a:t>
+              <a:t> Rho 	(Scrum Master of Sprint 2)</a:t>
             </a:r>
           </a:p>
           <a:p>
@@ -4062,6 +3996,13 @@
   <p:clrMapOvr>
     <a:masterClrMapping/>
   </p:clrMapOvr>
+  <p:timing>
+    <p:tnLst>
+      <p:par>
+        <p:cTn xmlns:p14="http://schemas.microsoft.com/office/powerpoint/2010/main" id="1" dur="indefinite" restart="never" nodeType="tmRoot"/>
+      </p:par>
+    </p:tnLst>
+  </p:timing>
 </p:sld>
 </file>
 
@@ -4356,6 +4297,13 @@
   <p:clrMapOvr>
     <a:masterClrMapping/>
   </p:clrMapOvr>
+  <p:timing>
+    <p:tnLst>
+      <p:par>
+        <p:cTn xmlns:p14="http://schemas.microsoft.com/office/powerpoint/2010/main" id="1" dur="indefinite" restart="never" nodeType="tmRoot"/>
+      </p:par>
+    </p:tnLst>
+  </p:timing>
 </p:sld>
 </file>
 
@@ -4626,6 +4574,13 @@
   <p:clrMapOvr>
     <a:masterClrMapping/>
   </p:clrMapOvr>
+  <p:timing>
+    <p:tnLst>
+      <p:par>
+        <p:cTn xmlns:p14="http://schemas.microsoft.com/office/powerpoint/2010/main" id="1" dur="indefinite" restart="never" nodeType="tmRoot"/>
+      </p:par>
+    </p:tnLst>
+  </p:timing>
 </p:sld>
 </file>
 
@@ -4868,23 +4823,18 @@
               <a:t>Pixi.js</a:t>
             </a:r>
             <a:r>
-              <a:rPr lang="en-US" dirty="0" smtClean="0">
+              <a:rPr lang="en-US" smtClean="0">
                 <a:solidFill>
                   <a:schemeClr val="accent1"/>
                 </a:solidFill>
               </a:rPr>
               <a:t>.</a:t>
             </a:r>
-          </a:p>
-          <a:p>
-            <a:r>
-              <a:rPr lang="en-US" dirty="0" smtClean="0">
-                <a:solidFill>
-                  <a:schemeClr val="accent6"/>
-                </a:solidFill>
-              </a:rPr>
-              <a:t>//Designing user interface &amp; considering user convenience.</a:t>
-            </a:r>
+            <a:endParaRPr lang="en-US" dirty="0" smtClean="0">
+              <a:solidFill>
+                <a:schemeClr val="accent1"/>
+              </a:solidFill>
+            </a:endParaRPr>
           </a:p>
         </p:txBody>
       </p:sp>
@@ -4898,6 +4848,13 @@
   <p:clrMapOvr>
     <a:masterClrMapping/>
   </p:clrMapOvr>
+  <p:timing>
+    <p:tnLst>
+      <p:par>
+        <p:cTn xmlns:p14="http://schemas.microsoft.com/office/powerpoint/2010/main" id="1" dur="indefinite" restart="never" nodeType="tmRoot"/>
+      </p:par>
+    </p:tnLst>
+  </p:timing>
 </p:sld>
 </file>
 
@@ -5172,6 +5129,13 @@
   <p:clrMapOvr>
     <a:masterClrMapping/>
   </p:clrMapOvr>
+  <p:timing>
+    <p:tnLst>
+      <p:par>
+        <p:cTn xmlns:p14="http://schemas.microsoft.com/office/powerpoint/2010/main" id="1" dur="indefinite" restart="never" nodeType="tmRoot"/>
+      </p:par>
+    </p:tnLst>
+  </p:timing>
 </p:sld>
 </file>
 
@@ -6171,6 +6135,13 @@
   <p:clrMapOvr>
     <a:masterClrMapping/>
   </p:clrMapOvr>
+  <p:timing>
+    <p:tnLst>
+      <p:par>
+        <p:cTn xmlns:p14="http://schemas.microsoft.com/office/powerpoint/2010/main" id="1" dur="indefinite" restart="never" nodeType="tmRoot"/>
+      </p:par>
+    </p:tnLst>
+  </p:timing>
 </p:sld>
 </file>
 
@@ -6232,11 +6203,16 @@
           <a:p>
             <a:r>
               <a:rPr lang="en-US" dirty="0" smtClean="0"/>
-              <a:t>Development techniques : </a:t>
-            </a:r>
+              <a:t>Development techniques : Scrum</a:t>
+            </a:r>
+          </a:p>
+          <a:p>
+            <a:endParaRPr lang="en-US" dirty="0" smtClean="0"/>
+          </a:p>
+          <a:p>
             <a:r>
               <a:rPr lang="en-US" dirty="0" smtClean="0"/>
-              <a:t>Scrum</a:t>
+              <a:t>Programming techniques : Pair programming</a:t>
             </a:r>
           </a:p>
           <a:p>
@@ -6245,24 +6221,7 @@
           <a:p>
             <a:r>
               <a:rPr lang="en-US" dirty="0" smtClean="0"/>
-              <a:t>Programming techniques : Pair </a:t>
-            </a:r>
-            <a:r>
-              <a:rPr lang="en-US" dirty="0" smtClean="0"/>
-              <a:t>programming</a:t>
-            </a:r>
-          </a:p>
-          <a:p>
-            <a:endParaRPr lang="en-US" dirty="0" smtClean="0"/>
-          </a:p>
-          <a:p>
-            <a:r>
-              <a:rPr lang="en-US" dirty="0" smtClean="0"/>
-              <a:t>Code </a:t>
-            </a:r>
-            <a:r>
-              <a:rPr lang="en-US" dirty="0" smtClean="0"/>
-              <a:t>management: </a:t>
+              <a:t>Code management: </a:t>
             </a:r>
             <a:r>
               <a:rPr lang="en-US" dirty="0" err="1" smtClean="0"/>
@@ -6295,6 +6254,13 @@
   <p:clrMapOvr>
     <a:masterClrMapping/>
   </p:clrMapOvr>
+  <p:timing>
+    <p:tnLst>
+      <p:par>
+        <p:cTn xmlns:p14="http://schemas.microsoft.com/office/powerpoint/2010/main" id="1" dur="indefinite" restart="never" nodeType="tmRoot"/>
+      </p:par>
+    </p:tnLst>
+  </p:timing>
 </p:sld>
 </file>
 

--- a/Scrum_GoldmoonKaist.pptx
+++ b/Scrum_GoldmoonKaist.pptx
@@ -4398,49 +4398,9 @@
               </a:rPr>
               <a:t> </a:t>
             </a:r>
-            <a:r>
-              <a:rPr lang="en-US" dirty="0" smtClean="0">
-                <a:solidFill>
-                  <a:schemeClr val="accent1"/>
-                </a:solidFill>
-              </a:rPr>
-              <a:t>by </a:t>
-            </a:r>
-            <a:r>
-              <a:rPr lang="en-US" dirty="0" err="1" smtClean="0">
-                <a:solidFill>
-                  <a:schemeClr val="accent1"/>
-                </a:solidFill>
-              </a:rPr>
-              <a:t>nodeJS</a:t>
-            </a:r>
-            <a:r>
-              <a:rPr lang="en-US" dirty="0">
-                <a:solidFill>
-                  <a:schemeClr val="accent1"/>
-                </a:solidFill>
-              </a:rPr>
-              <a:t> </a:t>
-            </a:r>
-            <a:r>
-              <a:rPr lang="en-US" dirty="0" smtClean="0">
-                <a:solidFill>
-                  <a:schemeClr val="accent1"/>
-                </a:solidFill>
-              </a:rPr>
-              <a:t>&amp; </a:t>
-            </a:r>
-            <a:r>
-              <a:rPr lang="en-US" dirty="0" err="1" smtClean="0">
-                <a:solidFill>
-                  <a:schemeClr val="accent1"/>
-                </a:solidFill>
-              </a:rPr>
-              <a:t>Socket.io</a:t>
-            </a:r>
             <a:endParaRPr lang="en-US" dirty="0" smtClean="0">
               <a:solidFill>
-                <a:schemeClr val="accent1"/>
+                <a:schemeClr val="accent3"/>
               </a:solidFill>
             </a:endParaRPr>
           </a:p>
@@ -4488,12 +4448,28 @@
           </a:p>
           <a:p>
             <a:r>
+              <a:rPr lang="en-US" smtClean="0">
+                <a:solidFill>
+                  <a:srgbClr val="4E67C8"/>
+                </a:solidFill>
+              </a:rPr>
+              <a:t>g</a:t>
+            </a:r>
+            <a:r>
+              <a:rPr lang="en-US" smtClean="0">
+                <a:solidFill>
+                  <a:srgbClr val="4E67C8"/>
+                </a:solidFill>
+              </a:rPr>
+              <a:t>et </a:t>
+            </a:r>
+            <a:r>
               <a:rPr lang="en-US" dirty="0" smtClean="0">
                 <a:solidFill>
                   <a:srgbClr val="4E67C8"/>
                 </a:solidFill>
               </a:rPr>
-              <a:t>Get used to technologies.</a:t>
+              <a:t>used to technologies.</a:t>
             </a:r>
           </a:p>
         </p:txBody>
@@ -4544,21 +4520,36 @@
                   </a:schemeClr>
                 </a:solidFill>
               </a:rPr>
-              <a:t>There is time gap between two clients on same server.</a:t>
-            </a:r>
-          </a:p>
-          <a:p>
-            <a:r>
-              <a:rPr lang="en-US" dirty="0" smtClean="0"/>
-              <a:t>Designing user interface &amp; considering user </a:t>
-            </a:r>
-            <a:r>
-              <a:rPr lang="en-US" dirty="0" err="1" smtClean="0"/>
-              <a:t>conveni-ence</a:t>
-            </a:r>
-            <a:r>
-              <a:rPr lang="en-US" dirty="0" smtClean="0"/>
+              <a:t>There is time gap between two clients on same server</a:t>
+            </a:r>
+            <a:r>
+              <a:rPr lang="en-US" dirty="0" smtClean="0">
+                <a:solidFill>
+                  <a:schemeClr val="accent5">
+                    <a:lumMod val="75000"/>
+                  </a:schemeClr>
+                </a:solidFill>
+              </a:rPr>
               <a:t>.</a:t>
+            </a:r>
+            <a:br>
+              <a:rPr lang="en-US" dirty="0" smtClean="0">
+                <a:solidFill>
+                  <a:schemeClr val="accent5">
+                    <a:lumMod val="75000"/>
+                  </a:schemeClr>
+                </a:solidFill>
+              </a:rPr>
+            </a:br>
+            <a:r>
+              <a:rPr lang="en-US" dirty="0" smtClean="0">
+                <a:solidFill>
+                  <a:schemeClr val="accent5">
+                    <a:lumMod val="75000"/>
+                  </a:schemeClr>
+                </a:solidFill>
+              </a:rPr>
+              <a:t>(real-time rendering)</a:t>
             </a:r>
             <a:endParaRPr lang="en-US" dirty="0"/>
           </a:p>
@@ -4823,7 +4814,7 @@
               <a:t>Pixi.js</a:t>
             </a:r>
             <a:r>
-              <a:rPr lang="en-US" smtClean="0">
+              <a:rPr lang="en-US" dirty="0" smtClean="0">
                 <a:solidFill>
                   <a:schemeClr val="accent1"/>
                 </a:solidFill>
